--- a/CapstoneTwo/reports/Capstone_Presentation.pptx
+++ b/CapstoneTwo/reports/Capstone_Presentation.pptx
@@ -20,10 +20,8 @@
     <p:sldId id="269" r:id="rId14"/>
     <p:sldId id="270" r:id="rId15"/>
     <p:sldId id="271" r:id="rId16"/>
-    <p:sldId id="272" r:id="rId17"/>
-    <p:sldId id="273" r:id="rId18"/>
-    <p:sldId id="275" r:id="rId19"/>
-    <p:sldId id="276" r:id="rId20"/>
+    <p:sldId id="275" r:id="rId17"/>
+    <p:sldId id="276" r:id="rId18"/>
   </p:sldIdLst>
   <p:sldSz cx="12192000" cy="6858000"/>
   <p:notesSz cx="6858000" cy="9144000"/>
@@ -122,6 +120,11 @@
       </a:defRPr>
     </a:lvl9pPr>
   </p:defaultTextStyle>
+  <p:extLst>
+    <p:ext uri="{EFAFB233-063F-42B5-8137-9DF3F51BA10A}">
+      <p15:sldGuideLst xmlns:p15="http://schemas.microsoft.com/office/powerpoint/2012/main"/>
+    </p:ext>
+  </p:extLst>
 </p:presentation>
 </file>
 
@@ -311,7 +314,7 @@
           <a:p>
             <a:fld id="{D612AF1C-CFEB-2844-93A5-997E35DC76CA}" type="datetimeFigureOut">
               <a:rPr lang="en-US" smtClean="0"/>
-              <a:t>9/3/20</a:t>
+              <a:t>9/9/20</a:t>
             </a:fld>
             <a:endParaRPr lang="en-US"/>
           </a:p>
@@ -586,7 +589,7 @@
           <a:p>
             <a:fld id="{D612AF1C-CFEB-2844-93A5-997E35DC76CA}" type="datetimeFigureOut">
               <a:rPr lang="en-US" smtClean="0"/>
-              <a:t>9/3/20</a:t>
+              <a:t>9/9/20</a:t>
             </a:fld>
             <a:endParaRPr lang="en-US"/>
           </a:p>
@@ -780,7 +783,7 @@
           <a:p>
             <a:fld id="{D612AF1C-CFEB-2844-93A5-997E35DC76CA}" type="datetimeFigureOut">
               <a:rPr lang="en-US" smtClean="0"/>
-              <a:t>9/3/20</a:t>
+              <a:t>9/9/20</a:t>
             </a:fld>
             <a:endParaRPr lang="en-US"/>
           </a:p>
@@ -1053,7 +1056,7 @@
           <a:p>
             <a:fld id="{D612AF1C-CFEB-2844-93A5-997E35DC76CA}" type="datetimeFigureOut">
               <a:rPr lang="en-US" smtClean="0"/>
-              <a:t>9/3/20</a:t>
+              <a:t>9/9/20</a:t>
             </a:fld>
             <a:endParaRPr lang="en-US"/>
           </a:p>
@@ -1394,7 +1397,7 @@
           <a:p>
             <a:fld id="{D612AF1C-CFEB-2844-93A5-997E35DC76CA}" type="datetimeFigureOut">
               <a:rPr lang="en-US" smtClean="0"/>
-              <a:t>9/3/20</a:t>
+              <a:t>9/9/20</a:t>
             </a:fld>
             <a:endParaRPr lang="en-US"/>
           </a:p>
@@ -2017,7 +2020,7 @@
           <a:p>
             <a:fld id="{D612AF1C-CFEB-2844-93A5-997E35DC76CA}" type="datetimeFigureOut">
               <a:rPr lang="en-US" smtClean="0"/>
-              <a:t>9/3/20</a:t>
+              <a:t>9/9/20</a:t>
             </a:fld>
             <a:endParaRPr lang="en-US"/>
           </a:p>
@@ -2877,7 +2880,7 @@
           <a:p>
             <a:fld id="{D612AF1C-CFEB-2844-93A5-997E35DC76CA}" type="datetimeFigureOut">
               <a:rPr lang="en-US" smtClean="0"/>
-              <a:t>9/3/20</a:t>
+              <a:t>9/9/20</a:t>
             </a:fld>
             <a:endParaRPr lang="en-US"/>
           </a:p>
@@ -3047,7 +3050,7 @@
           <a:p>
             <a:fld id="{D612AF1C-CFEB-2844-93A5-997E35DC76CA}" type="datetimeFigureOut">
               <a:rPr lang="en-US" smtClean="0"/>
-              <a:t>9/3/20</a:t>
+              <a:t>9/9/20</a:t>
             </a:fld>
             <a:endParaRPr lang="en-US"/>
           </a:p>
@@ -3227,7 +3230,7 @@
           <a:p>
             <a:fld id="{D612AF1C-CFEB-2844-93A5-997E35DC76CA}" type="datetimeFigureOut">
               <a:rPr lang="en-US" smtClean="0"/>
-              <a:t>9/3/20</a:t>
+              <a:t>9/9/20</a:t>
             </a:fld>
             <a:endParaRPr lang="en-US"/>
           </a:p>
@@ -3397,7 +3400,7 @@
           <a:p>
             <a:fld id="{D612AF1C-CFEB-2844-93A5-997E35DC76CA}" type="datetimeFigureOut">
               <a:rPr lang="en-US" smtClean="0"/>
-              <a:t>9/3/20</a:t>
+              <a:t>9/9/20</a:t>
             </a:fld>
             <a:endParaRPr lang="en-US"/>
           </a:p>
@@ -3644,7 +3647,7 @@
           <a:p>
             <a:fld id="{D612AF1C-CFEB-2844-93A5-997E35DC76CA}" type="datetimeFigureOut">
               <a:rPr lang="en-US" smtClean="0"/>
-              <a:t>9/3/20</a:t>
+              <a:t>9/9/20</a:t>
             </a:fld>
             <a:endParaRPr lang="en-US"/>
           </a:p>
@@ -3936,7 +3939,7 @@
           <a:p>
             <a:fld id="{D612AF1C-CFEB-2844-93A5-997E35DC76CA}" type="datetimeFigureOut">
               <a:rPr lang="en-US" smtClean="0"/>
-              <a:t>9/3/20</a:t>
+              <a:t>9/9/20</a:t>
             </a:fld>
             <a:endParaRPr lang="en-US"/>
           </a:p>
@@ -4380,7 +4383,7 @@
           <a:p>
             <a:fld id="{D612AF1C-CFEB-2844-93A5-997E35DC76CA}" type="datetimeFigureOut">
               <a:rPr lang="en-US" smtClean="0"/>
-              <a:t>9/3/20</a:t>
+              <a:t>9/9/20</a:t>
             </a:fld>
             <a:endParaRPr lang="en-US"/>
           </a:p>
@@ -4498,7 +4501,7 @@
           <a:p>
             <a:fld id="{D612AF1C-CFEB-2844-93A5-997E35DC76CA}" type="datetimeFigureOut">
               <a:rPr lang="en-US" smtClean="0"/>
-              <a:t>9/3/20</a:t>
+              <a:t>9/9/20</a:t>
             </a:fld>
             <a:endParaRPr lang="en-US"/>
           </a:p>
@@ -4593,7 +4596,7 @@
           <a:p>
             <a:fld id="{D612AF1C-CFEB-2844-93A5-997E35DC76CA}" type="datetimeFigureOut">
               <a:rPr lang="en-US" smtClean="0"/>
-              <a:t>9/3/20</a:t>
+              <a:t>9/9/20</a:t>
             </a:fld>
             <a:endParaRPr lang="en-US"/>
           </a:p>
@@ -4872,7 +4875,7 @@
           <a:p>
             <a:fld id="{D612AF1C-CFEB-2844-93A5-997E35DC76CA}" type="datetimeFigureOut">
               <a:rPr lang="en-US" smtClean="0"/>
-              <a:t>9/3/20</a:t>
+              <a:t>9/9/20</a:t>
             </a:fld>
             <a:endParaRPr lang="en-US"/>
           </a:p>
@@ -5147,7 +5150,7 @@
           <a:p>
             <a:fld id="{D612AF1C-CFEB-2844-93A5-997E35DC76CA}" type="datetimeFigureOut">
               <a:rPr lang="en-US" smtClean="0"/>
-              <a:t>9/3/20</a:t>
+              <a:t>9/9/20</a:t>
             </a:fld>
             <a:endParaRPr lang="en-US"/>
           </a:p>
@@ -5576,7 +5579,7 @@
           <a:p>
             <a:fld id="{D612AF1C-CFEB-2844-93A5-997E35DC76CA}" type="datetimeFigureOut">
               <a:rPr lang="en-US" smtClean="0"/>
-              <a:t>9/3/20</a:t>
+              <a:t>9/9/20</a:t>
             </a:fld>
             <a:endParaRPr lang="en-US"/>
           </a:p>
@@ -6745,9 +6748,69 @@
         </p:blipFill>
         <p:spPr>
           <a:xfrm>
-            <a:off x="1833518" y="1649614"/>
-            <a:ext cx="8524964" cy="3558771"/>
+            <a:off x="3378470" y="73828"/>
+            <a:ext cx="5435055" cy="2268880"/>
           </a:xfrm>
+        </p:spPr>
+      </p:pic>
+      <p:pic>
+        <p:nvPicPr>
+          <p:cNvPr id="4" name="Content Placeholder 4" descr="A screenshot of a cell phone&#10;&#10;Description automatically generated">
+            <a:extLst>
+              <a:ext uri="{FF2B5EF4-FFF2-40B4-BE49-F238E27FC236}">
+                <a16:creationId xmlns:a16="http://schemas.microsoft.com/office/drawing/2014/main" id="{64CA7965-0652-E544-9330-EB4BA2F406C6}"/>
+              </a:ext>
+            </a:extLst>
+          </p:cNvPr>
+          <p:cNvPicPr>
+            <a:picLocks noChangeAspect="1"/>
+          </p:cNvPicPr>
+          <p:nvPr/>
+        </p:nvPicPr>
+        <p:blipFill>
+          <a:blip r:embed="rId3"/>
+          <a:stretch>
+            <a:fillRect/>
+          </a:stretch>
+        </p:blipFill>
+        <p:spPr>
+          <a:xfrm>
+            <a:off x="3378470" y="2342708"/>
+            <a:ext cx="5435055" cy="2199301"/>
+          </a:xfrm>
+          <a:prstGeom prst="rect">
+            <a:avLst/>
+          </a:prstGeom>
+        </p:spPr>
+      </p:pic>
+      <p:pic>
+        <p:nvPicPr>
+          <p:cNvPr id="6" name="Content Placeholder 4" descr="A screenshot of a cell phone&#10;&#10;Description automatically generated">
+            <a:extLst>
+              <a:ext uri="{FF2B5EF4-FFF2-40B4-BE49-F238E27FC236}">
+                <a16:creationId xmlns:a16="http://schemas.microsoft.com/office/drawing/2014/main" id="{3824F583-927C-094D-A93E-55BE86169F1A}"/>
+              </a:ext>
+            </a:extLst>
+          </p:cNvPr>
+          <p:cNvPicPr>
+            <a:picLocks noChangeAspect="1"/>
+          </p:cNvPicPr>
+          <p:nvPr/>
+        </p:nvPicPr>
+        <p:blipFill>
+          <a:blip r:embed="rId4"/>
+          <a:stretch>
+            <a:fillRect/>
+          </a:stretch>
+        </p:blipFill>
+        <p:spPr>
+          <a:xfrm>
+            <a:off x="3378471" y="4542009"/>
+            <a:ext cx="5435055" cy="2166593"/>
+          </a:xfrm>
+          <a:prstGeom prst="rect">
+            <a:avLst/>
+          </a:prstGeom>
         </p:spPr>
       </p:pic>
     </p:spTree>
@@ -6785,174 +6848,6 @@
           <p:cNvPr id="2" name="Title 1">
             <a:extLst>
               <a:ext uri="{FF2B5EF4-FFF2-40B4-BE49-F238E27FC236}">
-                <a16:creationId xmlns:a16="http://schemas.microsoft.com/office/drawing/2014/main" id="{908F451F-586D-F540-BFCA-B1AF2E07605E}"/>
-              </a:ext>
-            </a:extLst>
-          </p:cNvPr>
-          <p:cNvSpPr>
-            <a:spLocks noGrp="1"/>
-          </p:cNvSpPr>
-          <p:nvPr>
-            <p:ph type="title"/>
-          </p:nvPr>
-        </p:nvSpPr>
-        <p:spPr/>
-        <p:txBody>
-          <a:bodyPr/>
-          <a:lstStyle/>
-          <a:p>
-            <a:endParaRPr lang="en-US"/>
-          </a:p>
-        </p:txBody>
-      </p:sp>
-      <p:pic>
-        <p:nvPicPr>
-          <p:cNvPr id="5" name="Content Placeholder 4" descr="A screenshot of a cell phone&#10;&#10;Description automatically generated">
-            <a:extLst>
-              <a:ext uri="{FF2B5EF4-FFF2-40B4-BE49-F238E27FC236}">
-                <a16:creationId xmlns:a16="http://schemas.microsoft.com/office/drawing/2014/main" id="{78DF2F9A-4B5A-EF40-B89A-EF90E95EF83E}"/>
-              </a:ext>
-            </a:extLst>
-          </p:cNvPr>
-          <p:cNvPicPr>
-            <a:picLocks noGrp="1" noChangeAspect="1"/>
-          </p:cNvPicPr>
-          <p:nvPr>
-            <p:ph idx="1"/>
-          </p:nvPr>
-        </p:nvPicPr>
-        <p:blipFill>
-          <a:blip r:embed="rId2"/>
-          <a:stretch>
-            <a:fillRect/>
-          </a:stretch>
-        </p:blipFill>
-        <p:spPr>
-          <a:xfrm>
-            <a:off x="1622425" y="1853248"/>
-            <a:ext cx="8947150" cy="3620474"/>
-          </a:xfrm>
-        </p:spPr>
-      </p:pic>
-    </p:spTree>
-    <p:extLst>
-      <p:ext uri="{BB962C8B-B14F-4D97-AF65-F5344CB8AC3E}">
-        <p14:creationId xmlns:p14="http://schemas.microsoft.com/office/powerpoint/2010/main" val="329302912"/>
-      </p:ext>
-    </p:extLst>
-  </p:cSld>
-  <p:clrMapOvr>
-    <a:masterClrMapping/>
-  </p:clrMapOvr>
-</p:sld>
-</file>
-
-<file path=ppt/slides/slide17.xml><?xml version="1.0" encoding="utf-8"?>
-<p:sld xmlns:a="http://schemas.openxmlformats.org/drawingml/2006/main" xmlns:r="http://schemas.openxmlformats.org/officeDocument/2006/relationships" xmlns:p="http://schemas.openxmlformats.org/presentationml/2006/main">
-  <p:cSld>
-    <p:spTree>
-      <p:nvGrpSpPr>
-        <p:cNvPr id="1" name=""/>
-        <p:cNvGrpSpPr/>
-        <p:nvPr/>
-      </p:nvGrpSpPr>
-      <p:grpSpPr>
-        <a:xfrm>
-          <a:off x="0" y="0"/>
-          <a:ext cx="0" cy="0"/>
-          <a:chOff x="0" y="0"/>
-          <a:chExt cx="0" cy="0"/>
-        </a:xfrm>
-      </p:grpSpPr>
-      <p:sp>
-        <p:nvSpPr>
-          <p:cNvPr id="2" name="Title 1">
-            <a:extLst>
-              <a:ext uri="{FF2B5EF4-FFF2-40B4-BE49-F238E27FC236}">
-                <a16:creationId xmlns:a16="http://schemas.microsoft.com/office/drawing/2014/main" id="{9C2A1F37-EBF0-6B45-9A65-7C5A19B6DEC3}"/>
-              </a:ext>
-            </a:extLst>
-          </p:cNvPr>
-          <p:cNvSpPr>
-            <a:spLocks noGrp="1"/>
-          </p:cNvSpPr>
-          <p:nvPr>
-            <p:ph type="title"/>
-          </p:nvPr>
-        </p:nvSpPr>
-        <p:spPr/>
-        <p:txBody>
-          <a:bodyPr/>
-          <a:lstStyle/>
-          <a:p>
-            <a:endParaRPr lang="en-US"/>
-          </a:p>
-        </p:txBody>
-      </p:sp>
-      <p:pic>
-        <p:nvPicPr>
-          <p:cNvPr id="5" name="Content Placeholder 4" descr="A screenshot of a cell phone&#10;&#10;Description automatically generated">
-            <a:extLst>
-              <a:ext uri="{FF2B5EF4-FFF2-40B4-BE49-F238E27FC236}">
-                <a16:creationId xmlns:a16="http://schemas.microsoft.com/office/drawing/2014/main" id="{AB987D11-B430-7E4B-B506-BD4DB02C04D3}"/>
-              </a:ext>
-            </a:extLst>
-          </p:cNvPr>
-          <p:cNvPicPr>
-            <a:picLocks noGrp="1" noChangeAspect="1"/>
-          </p:cNvPicPr>
-          <p:nvPr>
-            <p:ph idx="1"/>
-          </p:nvPr>
-        </p:nvPicPr>
-        <p:blipFill>
-          <a:blip r:embed="rId2"/>
-          <a:stretch>
-            <a:fillRect/>
-          </a:stretch>
-        </p:blipFill>
-        <p:spPr>
-          <a:xfrm>
-            <a:off x="1622425" y="1645684"/>
-            <a:ext cx="8947150" cy="3566631"/>
-          </a:xfrm>
-        </p:spPr>
-      </p:pic>
-    </p:spTree>
-    <p:extLst>
-      <p:ext uri="{BB962C8B-B14F-4D97-AF65-F5344CB8AC3E}">
-        <p14:creationId xmlns:p14="http://schemas.microsoft.com/office/powerpoint/2010/main" val="3786986166"/>
-      </p:ext>
-    </p:extLst>
-  </p:cSld>
-  <p:clrMapOvr>
-    <a:masterClrMapping/>
-  </p:clrMapOvr>
-</p:sld>
-</file>
-
-<file path=ppt/slides/slide18.xml><?xml version="1.0" encoding="utf-8"?>
-<p:sld xmlns:a="http://schemas.openxmlformats.org/drawingml/2006/main" xmlns:r="http://schemas.openxmlformats.org/officeDocument/2006/relationships" xmlns:p="http://schemas.openxmlformats.org/presentationml/2006/main">
-  <p:cSld>
-    <p:spTree>
-      <p:nvGrpSpPr>
-        <p:cNvPr id="1" name=""/>
-        <p:cNvGrpSpPr/>
-        <p:nvPr/>
-      </p:nvGrpSpPr>
-      <p:grpSpPr>
-        <a:xfrm>
-          <a:off x="0" y="0"/>
-          <a:ext cx="0" cy="0"/>
-          <a:chOff x="0" y="0"/>
-          <a:chExt cx="0" cy="0"/>
-        </a:xfrm>
-      </p:grpSpPr>
-      <p:sp>
-        <p:nvSpPr>
-          <p:cNvPr id="2" name="Title 1">
-            <a:extLst>
-              <a:ext uri="{FF2B5EF4-FFF2-40B4-BE49-F238E27FC236}">
                 <a16:creationId xmlns:a16="http://schemas.microsoft.com/office/drawing/2014/main" id="{E71EF7B3-AFE1-E945-A46B-328B4BC7823F}"/>
               </a:ext>
             </a:extLst>
@@ -7014,7 +6909,7 @@
 </p:sld>
 </file>
 
-<file path=ppt/slides/slide19.xml><?xml version="1.0" encoding="utf-8"?>
+<file path=ppt/slides/slide17.xml><?xml version="1.0" encoding="utf-8"?>
 <p:sld xmlns:a="http://schemas.openxmlformats.org/drawingml/2006/main" xmlns:r="http://schemas.openxmlformats.org/officeDocument/2006/relationships" xmlns:p="http://schemas.openxmlformats.org/presentationml/2006/main">
   <p:cSld>
     <p:spTree>
